--- a/Documentation_Work/Presentations/Proposed_Research_Architecture.pptx
+++ b/Documentation_Work/Presentations/Proposed_Research_Architecture.pptx
@@ -611,7 +611,7 @@
           <a:noFill/>
           <a:extLst>
             <a:ext uri="{909E8E84-426E-40dd-AFC4-6F175D3DCCD1}">
-              <a14:hiddenFill xmlns="" xmlns:a14="http://schemas.microsoft.com/office/drawing/2010/main">
+              <a14:hiddenFill xmlns:a14="http://schemas.microsoft.com/office/drawing/2010/main" xmlns="">
                 <a:solidFill>
                   <a:srgbClr val="FFFFFF"/>
                 </a:solidFill>
@@ -670,7 +670,7 @@
             </a:ln>
             <a:extLst>
               <a:ext uri="{91240B29-F687-4f45-9708-019B960494DF}">
-                <a14:hiddenLine xmlns="" xmlns:a14="http://schemas.microsoft.com/office/drawing/2010/main" w="9525">
+                <a14:hiddenLine xmlns:a14="http://schemas.microsoft.com/office/drawing/2010/main" xmlns="" w="9525">
                   <a:solidFill>
                     <a:srgbClr val="000000"/>
                   </a:solidFill>
@@ -760,7 +760,7 @@
             </a:ln>
             <a:extLst>
               <a:ext uri="{91240B29-F687-4f45-9708-019B960494DF}">
-                <a14:hiddenLine xmlns="" xmlns:a14="http://schemas.microsoft.com/office/drawing/2010/main" w="9525">
+                <a14:hiddenLine xmlns:a14="http://schemas.microsoft.com/office/drawing/2010/main" xmlns="" w="9525">
                   <a:solidFill>
                     <a:srgbClr val="000000"/>
                   </a:solidFill>
@@ -850,7 +850,7 @@
             </a:ln>
             <a:extLst>
               <a:ext uri="{91240B29-F687-4f45-9708-019B960494DF}">
-                <a14:hiddenLine xmlns="" xmlns:a14="http://schemas.microsoft.com/office/drawing/2010/main" w="9525">
+                <a14:hiddenLine xmlns:a14="http://schemas.microsoft.com/office/drawing/2010/main" xmlns="" w="9525">
                   <a:solidFill>
                     <a:srgbClr val="000000"/>
                   </a:solidFill>
@@ -884,7 +884,7 @@
             </a:ln>
             <a:extLst>
               <a:ext uri="{91240B29-F687-4f45-9708-019B960494DF}">
-                <a14:hiddenLine xmlns="" xmlns:a14="http://schemas.microsoft.com/office/drawing/2010/main" w="9525">
+                <a14:hiddenLine xmlns:a14="http://schemas.microsoft.com/office/drawing/2010/main" xmlns="" w="9525">
                   <a:solidFill>
                     <a:srgbClr val="000000"/>
                   </a:solidFill>
@@ -974,7 +974,7 @@
             </a:ln>
             <a:extLst>
               <a:ext uri="{91240B29-F687-4f45-9708-019B960494DF}">
-                <a14:hiddenLine xmlns="" xmlns:a14="http://schemas.microsoft.com/office/drawing/2010/main" w="9525">
+                <a14:hiddenLine xmlns:a14="http://schemas.microsoft.com/office/drawing/2010/main" xmlns="" w="9525">
                   <a:solidFill>
                     <a:srgbClr val="000000"/>
                   </a:solidFill>
@@ -1036,7 +1036,7 @@
             </a:ln>
             <a:extLst>
               <a:ext uri="{91240B29-F687-4f45-9708-019B960494DF}">
-                <a14:hiddenLine xmlns="" xmlns:a14="http://schemas.microsoft.com/office/drawing/2010/main" w="9525">
+                <a14:hiddenLine xmlns:a14="http://schemas.microsoft.com/office/drawing/2010/main" xmlns="" w="9525">
                   <a:solidFill>
                     <a:srgbClr val="000000"/>
                   </a:solidFill>
@@ -1098,7 +1098,7 @@
             </a:ln>
             <a:extLst>
               <a:ext uri="{91240B29-F687-4f45-9708-019B960494DF}">
-                <a14:hiddenLine xmlns="" xmlns:a14="http://schemas.microsoft.com/office/drawing/2010/main" w="9525">
+                <a14:hiddenLine xmlns:a14="http://schemas.microsoft.com/office/drawing/2010/main" xmlns="" w="9525">
                   <a:solidFill>
                     <a:srgbClr val="000000"/>
                   </a:solidFill>
@@ -1188,7 +1188,7 @@
             </a:ln>
             <a:extLst>
               <a:ext uri="{91240B29-F687-4f45-9708-019B960494DF}">
-                <a14:hiddenLine xmlns="" xmlns:a14="http://schemas.microsoft.com/office/drawing/2010/main" w="9525">
+                <a14:hiddenLine xmlns:a14="http://schemas.microsoft.com/office/drawing/2010/main" xmlns="" w="9525">
                   <a:solidFill>
                     <a:srgbClr val="000000"/>
                   </a:solidFill>
@@ -1250,7 +1250,7 @@
             </a:ln>
             <a:extLst>
               <a:ext uri="{91240B29-F687-4f45-9708-019B960494DF}">
-                <a14:hiddenLine xmlns="" xmlns:a14="http://schemas.microsoft.com/office/drawing/2010/main" w="9525">
+                <a14:hiddenLine xmlns:a14="http://schemas.microsoft.com/office/drawing/2010/main" xmlns="" w="9525">
                   <a:solidFill>
                     <a:srgbClr val="000000"/>
                   </a:solidFill>
@@ -1312,7 +1312,7 @@
             </a:ln>
             <a:extLst>
               <a:ext uri="{91240B29-F687-4f45-9708-019B960494DF}">
-                <a14:hiddenLine xmlns="" xmlns:a14="http://schemas.microsoft.com/office/drawing/2010/main" w="9525">
+                <a14:hiddenLine xmlns:a14="http://schemas.microsoft.com/office/drawing/2010/main" xmlns="" w="9525">
                   <a:solidFill>
                     <a:srgbClr val="000000"/>
                   </a:solidFill>
@@ -1402,7 +1402,7 @@
             </a:ln>
             <a:extLst>
               <a:ext uri="{91240B29-F687-4f45-9708-019B960494DF}">
-                <a14:hiddenLine xmlns="" xmlns:a14="http://schemas.microsoft.com/office/drawing/2010/main" w="9525">
+                <a14:hiddenLine xmlns:a14="http://schemas.microsoft.com/office/drawing/2010/main" xmlns="" w="9525">
                   <a:solidFill>
                     <a:srgbClr val="000000"/>
                   </a:solidFill>
@@ -1492,7 +1492,7 @@
             </a:ln>
             <a:extLst>
               <a:ext uri="{91240B29-F687-4f45-9708-019B960494DF}">
-                <a14:hiddenLine xmlns="" xmlns:a14="http://schemas.microsoft.com/office/drawing/2010/main" w="9525">
+                <a14:hiddenLine xmlns:a14="http://schemas.microsoft.com/office/drawing/2010/main" xmlns="" w="9525">
                   <a:solidFill>
                     <a:srgbClr val="000000"/>
                   </a:solidFill>
@@ -1554,7 +1554,7 @@
             </a:ln>
             <a:extLst>
               <a:ext uri="{91240B29-F687-4f45-9708-019B960494DF}">
-                <a14:hiddenLine xmlns="" xmlns:a14="http://schemas.microsoft.com/office/drawing/2010/main" w="9525">
+                <a14:hiddenLine xmlns:a14="http://schemas.microsoft.com/office/drawing/2010/main" xmlns="" w="9525">
                   <a:solidFill>
                     <a:srgbClr val="000000"/>
                   </a:solidFill>
@@ -1664,7 +1664,7 @@
             </a:ln>
             <a:extLst>
               <a:ext uri="{91240B29-F687-4f45-9708-019B960494DF}">
-                <a14:hiddenLine xmlns="" xmlns:a14="http://schemas.microsoft.com/office/drawing/2010/main" w="9525">
+                <a14:hiddenLine xmlns:a14="http://schemas.microsoft.com/office/drawing/2010/main" xmlns="" w="9525">
                   <a:solidFill>
                     <a:srgbClr val="000000"/>
                   </a:solidFill>
@@ -1726,7 +1726,7 @@
             </a:ln>
             <a:extLst>
               <a:ext uri="{91240B29-F687-4f45-9708-019B960494DF}">
-                <a14:hiddenLine xmlns="" xmlns:a14="http://schemas.microsoft.com/office/drawing/2010/main" w="9525">
+                <a14:hiddenLine xmlns:a14="http://schemas.microsoft.com/office/drawing/2010/main" xmlns="" w="9525">
                   <a:solidFill>
                     <a:srgbClr val="000000"/>
                   </a:solidFill>
@@ -1816,7 +1816,7 @@
             </a:ln>
             <a:extLst>
               <a:ext uri="{91240B29-F687-4f45-9708-019B960494DF}">
-                <a14:hiddenLine xmlns="" xmlns:a14="http://schemas.microsoft.com/office/drawing/2010/main" w="9525">
+                <a14:hiddenLine xmlns:a14="http://schemas.microsoft.com/office/drawing/2010/main" xmlns="" w="9525">
                   <a:solidFill>
                     <a:srgbClr val="000000"/>
                   </a:solidFill>
@@ -1906,7 +1906,7 @@
             </a:ln>
             <a:extLst>
               <a:ext uri="{91240B29-F687-4f45-9708-019B960494DF}">
-                <a14:hiddenLine xmlns="" xmlns:a14="http://schemas.microsoft.com/office/drawing/2010/main" w="9525">
+                <a14:hiddenLine xmlns:a14="http://schemas.microsoft.com/office/drawing/2010/main" xmlns="" w="9525">
                   <a:solidFill>
                     <a:srgbClr val="000000"/>
                   </a:solidFill>
@@ -1968,7 +1968,7 @@
             </a:ln>
             <a:extLst>
               <a:ext uri="{91240B29-F687-4f45-9708-019B960494DF}">
-                <a14:hiddenLine xmlns="" xmlns:a14="http://schemas.microsoft.com/office/drawing/2010/main" w="9525">
+                <a14:hiddenLine xmlns:a14="http://schemas.microsoft.com/office/drawing/2010/main" xmlns="" w="9525">
                   <a:solidFill>
                     <a:srgbClr val="000000"/>
                   </a:solidFill>
@@ -2058,7 +2058,7 @@
             </a:ln>
             <a:extLst>
               <a:ext uri="{91240B29-F687-4f45-9708-019B960494DF}">
-                <a14:hiddenLine xmlns="" xmlns:a14="http://schemas.microsoft.com/office/drawing/2010/main" w="9525">
+                <a14:hiddenLine xmlns:a14="http://schemas.microsoft.com/office/drawing/2010/main" xmlns="" w="9525">
                   <a:solidFill>
                     <a:srgbClr val="000000"/>
                   </a:solidFill>
@@ -2148,7 +2148,7 @@
             </a:ln>
             <a:extLst>
               <a:ext uri="{91240B29-F687-4f45-9708-019B960494DF}">
-                <a14:hiddenLine xmlns="" xmlns:a14="http://schemas.microsoft.com/office/drawing/2010/main" w="9525">
+                <a14:hiddenLine xmlns:a14="http://schemas.microsoft.com/office/drawing/2010/main" xmlns="" w="9525">
                   <a:solidFill>
                     <a:srgbClr val="000000"/>
                   </a:solidFill>
@@ -2204,7 +2204,7 @@
             </a:ln>
             <a:extLst>
               <a:ext uri="{91240B29-F687-4f45-9708-019B960494DF}">
-                <a14:hiddenLine xmlns="" xmlns:a14="http://schemas.microsoft.com/office/drawing/2010/main" w="9525">
+                <a14:hiddenLine xmlns:a14="http://schemas.microsoft.com/office/drawing/2010/main" xmlns="" w="9525">
                   <a:solidFill>
                     <a:srgbClr val="000000"/>
                   </a:solidFill>
@@ -2294,7 +2294,7 @@
             </a:ln>
             <a:extLst>
               <a:ext uri="{91240B29-F687-4f45-9708-019B960494DF}">
-                <a14:hiddenLine xmlns="" xmlns:a14="http://schemas.microsoft.com/office/drawing/2010/main" w="9525">
+                <a14:hiddenLine xmlns:a14="http://schemas.microsoft.com/office/drawing/2010/main" xmlns="" w="9525">
                   <a:solidFill>
                     <a:srgbClr val="000000"/>
                   </a:solidFill>
@@ -2350,7 +2350,7 @@
             </a:ln>
             <a:extLst>
               <a:ext uri="{91240B29-F687-4f45-9708-019B960494DF}">
-                <a14:hiddenLine xmlns="" xmlns:a14="http://schemas.microsoft.com/office/drawing/2010/main" w="9525">
+                <a14:hiddenLine xmlns:a14="http://schemas.microsoft.com/office/drawing/2010/main" xmlns="" w="9525">
                   <a:solidFill>
                     <a:srgbClr val="000000"/>
                   </a:solidFill>
@@ -2440,7 +2440,7 @@
             </a:ln>
             <a:extLst>
               <a:ext uri="{91240B29-F687-4f45-9708-019B960494DF}">
-                <a14:hiddenLine xmlns="" xmlns:a14="http://schemas.microsoft.com/office/drawing/2010/main" w="9525">
+                <a14:hiddenLine xmlns:a14="http://schemas.microsoft.com/office/drawing/2010/main" xmlns="" w="9525">
                   <a:solidFill>
                     <a:srgbClr val="000000"/>
                   </a:solidFill>
@@ -2508,7 +2508,7 @@
             </a:ln>
             <a:extLst>
               <a:ext uri="{91240B29-F687-4f45-9708-019B960494DF}">
-                <a14:hiddenLine xmlns="" xmlns:a14="http://schemas.microsoft.com/office/drawing/2010/main" w="9525">
+                <a14:hiddenLine xmlns:a14="http://schemas.microsoft.com/office/drawing/2010/main" xmlns="" w="9525">
                   <a:solidFill>
                     <a:srgbClr val="000000"/>
                   </a:solidFill>
@@ -2598,7 +2598,7 @@
             </a:ln>
             <a:extLst>
               <a:ext uri="{91240B29-F687-4f45-9708-019B960494DF}">
-                <a14:hiddenLine xmlns="" xmlns:a14="http://schemas.microsoft.com/office/drawing/2010/main" w="9525">
+                <a14:hiddenLine xmlns:a14="http://schemas.microsoft.com/office/drawing/2010/main" xmlns="" w="9525">
                   <a:solidFill>
                     <a:srgbClr val="000000"/>
                   </a:solidFill>
@@ -2666,7 +2666,7 @@
             </a:ln>
             <a:extLst>
               <a:ext uri="{91240B29-F687-4f45-9708-019B960494DF}">
-                <a14:hiddenLine xmlns="" xmlns:a14="http://schemas.microsoft.com/office/drawing/2010/main" w="9525">
+                <a14:hiddenLine xmlns:a14="http://schemas.microsoft.com/office/drawing/2010/main" xmlns="" w="9525">
                   <a:solidFill>
                     <a:srgbClr val="000000"/>
                   </a:solidFill>
@@ -2756,7 +2756,7 @@
             </a:ln>
             <a:extLst>
               <a:ext uri="{91240B29-F687-4f45-9708-019B960494DF}">
-                <a14:hiddenLine xmlns="" xmlns:a14="http://schemas.microsoft.com/office/drawing/2010/main" w="9525">
+                <a14:hiddenLine xmlns:a14="http://schemas.microsoft.com/office/drawing/2010/main" xmlns="" w="9525">
                   <a:solidFill>
                     <a:srgbClr val="000000"/>
                   </a:solidFill>
@@ -2790,7 +2790,7 @@
             </a:ln>
             <a:extLst>
               <a:ext uri="{91240B29-F687-4f45-9708-019B960494DF}">
-                <a14:hiddenLine xmlns="" xmlns:a14="http://schemas.microsoft.com/office/drawing/2010/main" w="9525">
+                <a14:hiddenLine xmlns:a14="http://schemas.microsoft.com/office/drawing/2010/main" xmlns="" w="9525">
                   <a:solidFill>
                     <a:srgbClr val="000000"/>
                   </a:solidFill>
@@ -2880,7 +2880,7 @@
             </a:ln>
             <a:extLst>
               <a:ext uri="{91240B29-F687-4f45-9708-019B960494DF}">
-                <a14:hiddenLine xmlns="" xmlns:a14="http://schemas.microsoft.com/office/drawing/2010/main" w="9525">
+                <a14:hiddenLine xmlns:a14="http://schemas.microsoft.com/office/drawing/2010/main" xmlns="" w="9525">
                   <a:solidFill>
                     <a:srgbClr val="000000"/>
                   </a:solidFill>
@@ -2942,7 +2942,7 @@
             </a:ln>
             <a:extLst>
               <a:ext uri="{91240B29-F687-4f45-9708-019B960494DF}">
-                <a14:hiddenLine xmlns="" xmlns:a14="http://schemas.microsoft.com/office/drawing/2010/main" w="9525">
+                <a14:hiddenLine xmlns:a14="http://schemas.microsoft.com/office/drawing/2010/main" xmlns="" w="9525">
                   <a:solidFill>
                     <a:srgbClr val="000000"/>
                   </a:solidFill>
@@ -3004,7 +3004,7 @@
             </a:ln>
             <a:extLst>
               <a:ext uri="{91240B29-F687-4f45-9708-019B960494DF}">
-                <a14:hiddenLine xmlns="" xmlns:a14="http://schemas.microsoft.com/office/drawing/2010/main" w="9525">
+                <a14:hiddenLine xmlns:a14="http://schemas.microsoft.com/office/drawing/2010/main" xmlns="" w="9525">
                   <a:solidFill>
                     <a:srgbClr val="000000"/>
                   </a:solidFill>
@@ -3094,7 +3094,7 @@
             </a:ln>
             <a:extLst>
               <a:ext uri="{91240B29-F687-4f45-9708-019B960494DF}">
-                <a14:hiddenLine xmlns="" xmlns:a14="http://schemas.microsoft.com/office/drawing/2010/main" w="9525">
+                <a14:hiddenLine xmlns:a14="http://schemas.microsoft.com/office/drawing/2010/main" xmlns="" w="9525">
                   <a:solidFill>
                     <a:srgbClr val="000000"/>
                   </a:solidFill>
@@ -3162,7 +3162,7 @@
             </a:ln>
             <a:extLst>
               <a:ext uri="{91240B29-F687-4f45-9708-019B960494DF}">
-                <a14:hiddenLine xmlns="" xmlns:a14="http://schemas.microsoft.com/office/drawing/2010/main" w="9525">
+                <a14:hiddenLine xmlns:a14="http://schemas.microsoft.com/office/drawing/2010/main" xmlns="" w="9525">
                   <a:solidFill>
                     <a:srgbClr val="000000"/>
                   </a:solidFill>
@@ -3224,7 +3224,7 @@
             </a:ln>
             <a:extLst>
               <a:ext uri="{91240B29-F687-4f45-9708-019B960494DF}">
-                <a14:hiddenLine xmlns="" xmlns:a14="http://schemas.microsoft.com/office/drawing/2010/main" w="9525">
+                <a14:hiddenLine xmlns:a14="http://schemas.microsoft.com/office/drawing/2010/main" xmlns="" w="9525">
                   <a:solidFill>
                     <a:srgbClr val="000000"/>
                   </a:solidFill>
@@ -3314,7 +3314,7 @@
             </a:ln>
             <a:extLst>
               <a:ext uri="{91240B29-F687-4f45-9708-019B960494DF}">
-                <a14:hiddenLine xmlns="" xmlns:a14="http://schemas.microsoft.com/office/drawing/2010/main" w="9525">
+                <a14:hiddenLine xmlns:a14="http://schemas.microsoft.com/office/drawing/2010/main" xmlns="" w="9525">
                   <a:solidFill>
                     <a:srgbClr val="000000"/>
                   </a:solidFill>
@@ -3376,7 +3376,7 @@
             </a:ln>
             <a:extLst>
               <a:ext uri="{91240B29-F687-4f45-9708-019B960494DF}">
-                <a14:hiddenLine xmlns="" xmlns:a14="http://schemas.microsoft.com/office/drawing/2010/main" w="9525">
+                <a14:hiddenLine xmlns:a14="http://schemas.microsoft.com/office/drawing/2010/main" xmlns="" w="9525">
                   <a:solidFill>
                     <a:srgbClr val="000000"/>
                   </a:solidFill>
@@ -3466,7 +3466,7 @@
             </a:ln>
             <a:extLst>
               <a:ext uri="{91240B29-F687-4f45-9708-019B960494DF}">
-                <a14:hiddenLine xmlns="" xmlns:a14="http://schemas.microsoft.com/office/drawing/2010/main" w="9525">
+                <a14:hiddenLine xmlns:a14="http://schemas.microsoft.com/office/drawing/2010/main" xmlns="" w="9525">
                   <a:solidFill>
                     <a:srgbClr val="000000"/>
                   </a:solidFill>
@@ -3528,7 +3528,7 @@
             </a:ln>
             <a:extLst>
               <a:ext uri="{91240B29-F687-4f45-9708-019B960494DF}">
-                <a14:hiddenLine xmlns="" xmlns:a14="http://schemas.microsoft.com/office/drawing/2010/main" w="9525">
+                <a14:hiddenLine xmlns:a14="http://schemas.microsoft.com/office/drawing/2010/main" xmlns="" w="9525">
                   <a:solidFill>
                     <a:srgbClr val="000000"/>
                   </a:solidFill>
@@ -3618,7 +3618,7 @@
             </a:ln>
             <a:extLst>
               <a:ext uri="{91240B29-F687-4f45-9708-019B960494DF}">
-                <a14:hiddenLine xmlns="" xmlns:a14="http://schemas.microsoft.com/office/drawing/2010/main" w="9525">
+                <a14:hiddenLine xmlns:a14="http://schemas.microsoft.com/office/drawing/2010/main" xmlns="" w="9525">
                   <a:solidFill>
                     <a:srgbClr val="000000"/>
                   </a:solidFill>
@@ -3652,7 +3652,7 @@
             </a:ln>
             <a:extLst>
               <a:ext uri="{91240B29-F687-4f45-9708-019B960494DF}">
-                <a14:hiddenLine xmlns="" xmlns:a14="http://schemas.microsoft.com/office/drawing/2010/main" w="9525">
+                <a14:hiddenLine xmlns:a14="http://schemas.microsoft.com/office/drawing/2010/main" xmlns="" w="9525">
                   <a:solidFill>
                     <a:srgbClr val="000000"/>
                   </a:solidFill>
@@ -3717,7 +3717,7 @@
             </a:ln>
             <a:extLst>
               <a:ext uri="{91240B29-F687-4f45-9708-019B960494DF}">
-                <a14:hiddenLine xmlns="" xmlns:a14="http://schemas.microsoft.com/office/drawing/2010/main" w="9525">
+                <a14:hiddenLine xmlns:a14="http://schemas.microsoft.com/office/drawing/2010/main" xmlns="" w="9525">
                   <a:solidFill>
                     <a:srgbClr val="000000"/>
                   </a:solidFill>
@@ -3807,7 +3807,7 @@
             </a:ln>
             <a:extLst>
               <a:ext uri="{91240B29-F687-4f45-9708-019B960494DF}">
-                <a14:hiddenLine xmlns="" xmlns:a14="http://schemas.microsoft.com/office/drawing/2010/main" w="9525">
+                <a14:hiddenLine xmlns:a14="http://schemas.microsoft.com/office/drawing/2010/main" xmlns="" w="9525">
                   <a:solidFill>
                     <a:srgbClr val="000000"/>
                   </a:solidFill>
@@ -3869,7 +3869,7 @@
             </a:ln>
             <a:extLst>
               <a:ext uri="{91240B29-F687-4f45-9708-019B960494DF}">
-                <a14:hiddenLine xmlns="" xmlns:a14="http://schemas.microsoft.com/office/drawing/2010/main" w="9525">
+                <a14:hiddenLine xmlns:a14="http://schemas.microsoft.com/office/drawing/2010/main" xmlns="" w="9525">
                   <a:solidFill>
                     <a:srgbClr val="000000"/>
                   </a:solidFill>
@@ -3959,7 +3959,7 @@
             </a:ln>
             <a:extLst>
               <a:ext uri="{91240B29-F687-4f45-9708-019B960494DF}">
-                <a14:hiddenLine xmlns="" xmlns:a14="http://schemas.microsoft.com/office/drawing/2010/main" w="9525">
+                <a14:hiddenLine xmlns:a14="http://schemas.microsoft.com/office/drawing/2010/main" xmlns="" w="9525">
                   <a:solidFill>
                     <a:srgbClr val="000000"/>
                   </a:solidFill>
@@ -4049,7 +4049,7 @@
             </a:ln>
             <a:extLst>
               <a:ext uri="{91240B29-F687-4f45-9708-019B960494DF}">
-                <a14:hiddenLine xmlns="" xmlns:a14="http://schemas.microsoft.com/office/drawing/2010/main" w="9525">
+                <a14:hiddenLine xmlns:a14="http://schemas.microsoft.com/office/drawing/2010/main" xmlns="" w="9525">
                   <a:solidFill>
                     <a:srgbClr val="000000"/>
                   </a:solidFill>
@@ -4114,7 +4114,7 @@
             </a:ln>
             <a:extLst>
               <a:ext uri="{91240B29-F687-4f45-9708-019B960494DF}">
-                <a14:hiddenLine xmlns="" xmlns:a14="http://schemas.microsoft.com/office/drawing/2010/main" w="9525">
+                <a14:hiddenLine xmlns:a14="http://schemas.microsoft.com/office/drawing/2010/main" xmlns="" w="9525">
                   <a:solidFill>
                     <a:srgbClr val="000000"/>
                   </a:solidFill>
@@ -4176,7 +4176,7 @@
             </a:ln>
             <a:extLst>
               <a:ext uri="{91240B29-F687-4f45-9708-019B960494DF}">
-                <a14:hiddenLine xmlns="" xmlns:a14="http://schemas.microsoft.com/office/drawing/2010/main" w="9525">
+                <a14:hiddenLine xmlns:a14="http://schemas.microsoft.com/office/drawing/2010/main" xmlns="" w="9525">
                   <a:solidFill>
                     <a:srgbClr val="000000"/>
                   </a:solidFill>
@@ -4266,7 +4266,7 @@
             </a:ln>
             <a:extLst>
               <a:ext uri="{91240B29-F687-4f45-9708-019B960494DF}">
-                <a14:hiddenLine xmlns="" xmlns:a14="http://schemas.microsoft.com/office/drawing/2010/main" w="9525">
+                <a14:hiddenLine xmlns:a14="http://schemas.microsoft.com/office/drawing/2010/main" xmlns="" w="9525">
                   <a:solidFill>
                     <a:srgbClr val="000000"/>
                   </a:solidFill>
@@ -4356,7 +4356,7 @@
             </a:ln>
             <a:extLst>
               <a:ext uri="{91240B29-F687-4f45-9708-019B960494DF}">
-                <a14:hiddenLine xmlns="" xmlns:a14="http://schemas.microsoft.com/office/drawing/2010/main" w="9525">
+                <a14:hiddenLine xmlns:a14="http://schemas.microsoft.com/office/drawing/2010/main" xmlns="" w="9525">
                   <a:solidFill>
                     <a:srgbClr val="000000"/>
                   </a:solidFill>
@@ -4418,7 +4418,7 @@
             </a:ln>
             <a:extLst>
               <a:ext uri="{91240B29-F687-4f45-9708-019B960494DF}">
-                <a14:hiddenLine xmlns="" xmlns:a14="http://schemas.microsoft.com/office/drawing/2010/main" w="9525">
+                <a14:hiddenLine xmlns:a14="http://schemas.microsoft.com/office/drawing/2010/main" xmlns="" w="9525">
                   <a:solidFill>
                     <a:srgbClr val="000000"/>
                   </a:solidFill>
@@ -4538,7 +4538,7 @@
             </a:ln>
             <a:extLst>
               <a:ext uri="{91240B29-F687-4f45-9708-019B960494DF}">
-                <a14:hiddenLine xmlns="" xmlns:a14="http://schemas.microsoft.com/office/drawing/2010/main" w="9525">
+                <a14:hiddenLine xmlns:a14="http://schemas.microsoft.com/office/drawing/2010/main" xmlns="" w="9525">
                   <a:solidFill>
                     <a:srgbClr val="000000"/>
                   </a:solidFill>
@@ -4606,7 +4606,7 @@
             </a:ln>
             <a:extLst>
               <a:ext uri="{91240B29-F687-4f45-9708-019B960494DF}">
-                <a14:hiddenLine xmlns="" xmlns:a14="http://schemas.microsoft.com/office/drawing/2010/main" w="9525">
+                <a14:hiddenLine xmlns:a14="http://schemas.microsoft.com/office/drawing/2010/main" xmlns="" w="9525">
                   <a:solidFill>
                     <a:srgbClr val="000000"/>
                   </a:solidFill>
@@ -4696,7 +4696,7 @@
             </a:ln>
             <a:extLst>
               <a:ext uri="{91240B29-F687-4f45-9708-019B960494DF}">
-                <a14:hiddenLine xmlns="" xmlns:a14="http://schemas.microsoft.com/office/drawing/2010/main" w="9525">
+                <a14:hiddenLine xmlns:a14="http://schemas.microsoft.com/office/drawing/2010/main" xmlns="" w="9525">
                   <a:solidFill>
                     <a:srgbClr val="000000"/>
                   </a:solidFill>
@@ -9425,7 +9425,7 @@
           <a:noFill/>
           <a:extLst>
             <a:ext uri="{909E8E84-426E-40dd-AFC4-6F175D3DCCD1}">
-              <a14:hiddenFill xmlns="" xmlns:a14="http://schemas.microsoft.com/office/drawing/2010/main">
+              <a14:hiddenFill xmlns:a14="http://schemas.microsoft.com/office/drawing/2010/main" xmlns="">
                 <a:solidFill>
                   <a:srgbClr val="FFFFFF"/>
                 </a:solidFill>
@@ -9499,7 +9499,7 @@
               </a:ln>
               <a:extLst>
                 <a:ext uri="{91240B29-F687-4f45-9708-019B960494DF}">
-                  <a14:hiddenLine xmlns="" xmlns:a14="http://schemas.microsoft.com/office/drawing/2010/main" w="9525">
+                  <a14:hiddenLine xmlns:a14="http://schemas.microsoft.com/office/drawing/2010/main" xmlns="" w="9525">
                     <a:solidFill>
                       <a:srgbClr val="000000"/>
                     </a:solidFill>
@@ -9589,7 +9589,7 @@
               </a:ln>
               <a:extLst>
                 <a:ext uri="{91240B29-F687-4f45-9708-019B960494DF}">
-                  <a14:hiddenLine xmlns="" xmlns:a14="http://schemas.microsoft.com/office/drawing/2010/main" w="9525">
+                  <a14:hiddenLine xmlns:a14="http://schemas.microsoft.com/office/drawing/2010/main" xmlns="" w="9525">
                     <a:solidFill>
                       <a:srgbClr val="000000"/>
                     </a:solidFill>
@@ -9679,7 +9679,7 @@
               </a:ln>
               <a:extLst>
                 <a:ext uri="{91240B29-F687-4f45-9708-019B960494DF}">
-                  <a14:hiddenLine xmlns="" xmlns:a14="http://schemas.microsoft.com/office/drawing/2010/main" w="9525">
+                  <a14:hiddenLine xmlns:a14="http://schemas.microsoft.com/office/drawing/2010/main" xmlns="" w="9525">
                     <a:solidFill>
                       <a:srgbClr val="000000"/>
                     </a:solidFill>
@@ -9741,7 +9741,7 @@
               </a:ln>
               <a:extLst>
                 <a:ext uri="{91240B29-F687-4f45-9708-019B960494DF}">
-                  <a14:hiddenLine xmlns="" xmlns:a14="http://schemas.microsoft.com/office/drawing/2010/main" w="9525">
+                  <a14:hiddenLine xmlns:a14="http://schemas.microsoft.com/office/drawing/2010/main" xmlns="" w="9525">
                     <a:solidFill>
                       <a:srgbClr val="000000"/>
                     </a:solidFill>
@@ -9831,7 +9831,7 @@
               </a:ln>
               <a:extLst>
                 <a:ext uri="{91240B29-F687-4f45-9708-019B960494DF}">
-                  <a14:hiddenLine xmlns="" xmlns:a14="http://schemas.microsoft.com/office/drawing/2010/main" w="9525">
+                  <a14:hiddenLine xmlns:a14="http://schemas.microsoft.com/office/drawing/2010/main" xmlns="" w="9525">
                     <a:solidFill>
                       <a:srgbClr val="000000"/>
                     </a:solidFill>
@@ -9893,7 +9893,7 @@
               </a:ln>
               <a:extLst>
                 <a:ext uri="{91240B29-F687-4f45-9708-019B960494DF}">
-                  <a14:hiddenLine xmlns="" xmlns:a14="http://schemas.microsoft.com/office/drawing/2010/main" w="9525">
+                  <a14:hiddenLine xmlns:a14="http://schemas.microsoft.com/office/drawing/2010/main" xmlns="" w="9525">
                     <a:solidFill>
                       <a:srgbClr val="000000"/>
                     </a:solidFill>
@@ -9955,7 +9955,7 @@
               </a:ln>
               <a:extLst>
                 <a:ext uri="{91240B29-F687-4f45-9708-019B960494DF}">
-                  <a14:hiddenLine xmlns="" xmlns:a14="http://schemas.microsoft.com/office/drawing/2010/main" w="9525">
+                  <a14:hiddenLine xmlns:a14="http://schemas.microsoft.com/office/drawing/2010/main" xmlns="" w="9525">
                     <a:solidFill>
                       <a:srgbClr val="000000"/>
                     </a:solidFill>
@@ -10045,7 +10045,7 @@
               </a:ln>
               <a:extLst>
                 <a:ext uri="{91240B29-F687-4f45-9708-019B960494DF}">
-                  <a14:hiddenLine xmlns="" xmlns:a14="http://schemas.microsoft.com/office/drawing/2010/main" w="9525">
+                  <a14:hiddenLine xmlns:a14="http://schemas.microsoft.com/office/drawing/2010/main" xmlns="" w="9525">
                     <a:solidFill>
                       <a:srgbClr val="000000"/>
                     </a:solidFill>
@@ -10135,7 +10135,7 @@
               </a:ln>
               <a:extLst>
                 <a:ext uri="{91240B29-F687-4f45-9708-019B960494DF}">
-                  <a14:hiddenLine xmlns="" xmlns:a14="http://schemas.microsoft.com/office/drawing/2010/main" w="9525">
+                  <a14:hiddenLine xmlns:a14="http://schemas.microsoft.com/office/drawing/2010/main" xmlns="" w="9525">
                     <a:solidFill>
                       <a:srgbClr val="000000"/>
                     </a:solidFill>
@@ -10197,7 +10197,7 @@
               </a:ln>
               <a:extLst>
                 <a:ext uri="{91240B29-F687-4f45-9708-019B960494DF}">
-                  <a14:hiddenLine xmlns="" xmlns:a14="http://schemas.microsoft.com/office/drawing/2010/main" w="9525">
+                  <a14:hiddenLine xmlns:a14="http://schemas.microsoft.com/office/drawing/2010/main" xmlns="" w="9525">
                     <a:solidFill>
                       <a:srgbClr val="000000"/>
                     </a:solidFill>
@@ -10307,7 +10307,7 @@
               </a:ln>
               <a:extLst>
                 <a:ext uri="{91240B29-F687-4f45-9708-019B960494DF}">
-                  <a14:hiddenLine xmlns="" xmlns:a14="http://schemas.microsoft.com/office/drawing/2010/main" w="9525">
+                  <a14:hiddenLine xmlns:a14="http://schemas.microsoft.com/office/drawing/2010/main" xmlns="" w="9525">
                     <a:solidFill>
                       <a:srgbClr val="000000"/>
                     </a:solidFill>
@@ -10391,7 +10391,7 @@
               </a:ln>
               <a:extLst>
                 <a:ext uri="{91240B29-F687-4f45-9708-019B960494DF}">
-                  <a14:hiddenLine xmlns="" xmlns:a14="http://schemas.microsoft.com/office/drawing/2010/main" w="9525">
+                  <a14:hiddenLine xmlns:a14="http://schemas.microsoft.com/office/drawing/2010/main" xmlns="" w="9525">
                     <a:solidFill>
                       <a:srgbClr val="000000"/>
                     </a:solidFill>
@@ -10453,7 +10453,7 @@
               </a:ln>
               <a:extLst>
                 <a:ext uri="{91240B29-F687-4f45-9708-019B960494DF}">
-                  <a14:hiddenLine xmlns="" xmlns:a14="http://schemas.microsoft.com/office/drawing/2010/main" w="9525">
+                  <a14:hiddenLine xmlns:a14="http://schemas.microsoft.com/office/drawing/2010/main" xmlns="" w="9525">
                     <a:solidFill>
                       <a:srgbClr val="000000"/>
                     </a:solidFill>
@@ -10515,7 +10515,7 @@
               </a:ln>
               <a:extLst>
                 <a:ext uri="{91240B29-F687-4f45-9708-019B960494DF}">
-                  <a14:hiddenLine xmlns="" xmlns:a14="http://schemas.microsoft.com/office/drawing/2010/main" w="9525">
+                  <a14:hiddenLine xmlns:a14="http://schemas.microsoft.com/office/drawing/2010/main" xmlns="" w="9525">
                     <a:solidFill>
                       <a:srgbClr val="000000"/>
                     </a:solidFill>
@@ -10605,7 +10605,7 @@
               </a:ln>
               <a:extLst>
                 <a:ext uri="{91240B29-F687-4f45-9708-019B960494DF}">
-                  <a14:hiddenLine xmlns="" xmlns:a14="http://schemas.microsoft.com/office/drawing/2010/main" w="9525">
+                  <a14:hiddenLine xmlns:a14="http://schemas.microsoft.com/office/drawing/2010/main" xmlns="" w="9525">
                     <a:solidFill>
                       <a:srgbClr val="000000"/>
                     </a:solidFill>
@@ -10639,7 +10639,7 @@
               </a:ln>
               <a:extLst>
                 <a:ext uri="{91240B29-F687-4f45-9708-019B960494DF}">
-                  <a14:hiddenLine xmlns="" xmlns:a14="http://schemas.microsoft.com/office/drawing/2010/main" w="9525">
+                  <a14:hiddenLine xmlns:a14="http://schemas.microsoft.com/office/drawing/2010/main" xmlns="" w="9525">
                     <a:solidFill>
                       <a:srgbClr val="000000"/>
                     </a:solidFill>
@@ -10704,7 +10704,7 @@
               </a:ln>
               <a:extLst>
                 <a:ext uri="{91240B29-F687-4f45-9708-019B960494DF}">
-                  <a14:hiddenLine xmlns="" xmlns:a14="http://schemas.microsoft.com/office/drawing/2010/main" w="9525">
+                  <a14:hiddenLine xmlns:a14="http://schemas.microsoft.com/office/drawing/2010/main" xmlns="" w="9525">
                     <a:solidFill>
                       <a:srgbClr val="000000"/>
                     </a:solidFill>
@@ -10794,7 +10794,7 @@
               </a:ln>
               <a:extLst>
                 <a:ext uri="{91240B29-F687-4f45-9708-019B960494DF}">
-                  <a14:hiddenLine xmlns="" xmlns:a14="http://schemas.microsoft.com/office/drawing/2010/main" w="9525">
+                  <a14:hiddenLine xmlns:a14="http://schemas.microsoft.com/office/drawing/2010/main" xmlns="" w="9525">
                     <a:solidFill>
                       <a:srgbClr val="000000"/>
                     </a:solidFill>
@@ -10856,7 +10856,7 @@
               </a:ln>
               <a:extLst>
                 <a:ext uri="{91240B29-F687-4f45-9708-019B960494DF}">
-                  <a14:hiddenLine xmlns="" xmlns:a14="http://schemas.microsoft.com/office/drawing/2010/main" w="9525">
+                  <a14:hiddenLine xmlns:a14="http://schemas.microsoft.com/office/drawing/2010/main" xmlns="" w="9525">
                     <a:solidFill>
                       <a:srgbClr val="000000"/>
                     </a:solidFill>
@@ -10946,7 +10946,7 @@
               </a:ln>
               <a:extLst>
                 <a:ext uri="{91240B29-F687-4f45-9708-019B960494DF}">
-                  <a14:hiddenLine xmlns="" xmlns:a14="http://schemas.microsoft.com/office/drawing/2010/main" w="9525">
+                  <a14:hiddenLine xmlns:a14="http://schemas.microsoft.com/office/drawing/2010/main" xmlns="" w="9525">
                     <a:solidFill>
                       <a:srgbClr val="000000"/>
                     </a:solidFill>
@@ -11011,7 +11011,7 @@
               </a:ln>
               <a:extLst>
                 <a:ext uri="{91240B29-F687-4f45-9708-019B960494DF}">
-                  <a14:hiddenLine xmlns="" xmlns:a14="http://schemas.microsoft.com/office/drawing/2010/main" w="9525">
+                  <a14:hiddenLine xmlns:a14="http://schemas.microsoft.com/office/drawing/2010/main" xmlns="" w="9525">
                     <a:solidFill>
                       <a:srgbClr val="000000"/>
                     </a:solidFill>
@@ -11073,7 +11073,7 @@
               </a:ln>
               <a:extLst>
                 <a:ext uri="{91240B29-F687-4f45-9708-019B960494DF}">
-                  <a14:hiddenLine xmlns="" xmlns:a14="http://schemas.microsoft.com/office/drawing/2010/main" w="9525">
+                  <a14:hiddenLine xmlns:a14="http://schemas.microsoft.com/office/drawing/2010/main" xmlns="" w="9525">
                     <a:solidFill>
                       <a:srgbClr val="000000"/>
                     </a:solidFill>
@@ -11163,7 +11163,7 @@
               </a:ln>
               <a:extLst>
                 <a:ext uri="{91240B29-F687-4f45-9708-019B960494DF}">
-                  <a14:hiddenLine xmlns="" xmlns:a14="http://schemas.microsoft.com/office/drawing/2010/main" w="9525">
+                  <a14:hiddenLine xmlns:a14="http://schemas.microsoft.com/office/drawing/2010/main" xmlns="" w="9525">
                     <a:solidFill>
                       <a:srgbClr val="000000"/>
                     </a:solidFill>
@@ -11253,7 +11253,7 @@
               </a:ln>
               <a:extLst>
                 <a:ext uri="{91240B29-F687-4f45-9708-019B960494DF}">
-                  <a14:hiddenLine xmlns="" xmlns:a14="http://schemas.microsoft.com/office/drawing/2010/main" w="9525">
+                  <a14:hiddenLine xmlns:a14="http://schemas.microsoft.com/office/drawing/2010/main" xmlns="" w="9525">
                     <a:solidFill>
                       <a:srgbClr val="000000"/>
                     </a:solidFill>
@@ -11318,7 +11318,7 @@
               </a:ln>
               <a:extLst>
                 <a:ext uri="{91240B29-F687-4f45-9708-019B960494DF}">
-                  <a14:hiddenLine xmlns="" xmlns:a14="http://schemas.microsoft.com/office/drawing/2010/main" w="9525">
+                  <a14:hiddenLine xmlns:a14="http://schemas.microsoft.com/office/drawing/2010/main" xmlns="" w="9525">
                     <a:solidFill>
                       <a:srgbClr val="000000"/>
                     </a:solidFill>
@@ -11438,7 +11438,7 @@
               </a:ln>
               <a:extLst>
                 <a:ext uri="{91240B29-F687-4f45-9708-019B960494DF}">
-                  <a14:hiddenLine xmlns="" xmlns:a14="http://schemas.microsoft.com/office/drawing/2010/main" w="9525">
+                  <a14:hiddenLine xmlns:a14="http://schemas.microsoft.com/office/drawing/2010/main" xmlns="" w="9525">
                     <a:solidFill>
                       <a:srgbClr val="000000"/>
                     </a:solidFill>
@@ -11519,7 +11519,7 @@
               </a:ln>
               <a:extLst>
                 <a:ext uri="{91240B29-F687-4f45-9708-019B960494DF}">
-                  <a14:hiddenLine xmlns="" xmlns:a14="http://schemas.microsoft.com/office/drawing/2010/main" w="9525">
+                  <a14:hiddenLine xmlns:a14="http://schemas.microsoft.com/office/drawing/2010/main" xmlns="" w="9525">
                     <a:solidFill>
                       <a:srgbClr val="000000"/>
                     </a:solidFill>
@@ -11634,7 +11634,7 @@
               </a:ln>
               <a:extLst>
                 <a:ext uri="{91240B29-F687-4f45-9708-019B960494DF}">
-                  <a14:hiddenLine xmlns="" xmlns:a14="http://schemas.microsoft.com/office/drawing/2010/main" w="9525">
+                  <a14:hiddenLine xmlns:a14="http://schemas.microsoft.com/office/drawing/2010/main" xmlns="" w="9525">
                     <a:solidFill>
                       <a:srgbClr val="000000"/>
                     </a:solidFill>
@@ -11724,7 +11724,7 @@
               </a:ln>
               <a:extLst>
                 <a:ext uri="{91240B29-F687-4f45-9708-019B960494DF}">
-                  <a14:hiddenLine xmlns="" xmlns:a14="http://schemas.microsoft.com/office/drawing/2010/main" w="9525">
+                  <a14:hiddenLine xmlns:a14="http://schemas.microsoft.com/office/drawing/2010/main" xmlns="" w="9525">
                     <a:solidFill>
                       <a:srgbClr val="000000"/>
                     </a:solidFill>
@@ -11789,7 +11789,7 @@
               </a:ln>
               <a:extLst>
                 <a:ext uri="{91240B29-F687-4f45-9708-019B960494DF}">
-                  <a14:hiddenLine xmlns="" xmlns:a14="http://schemas.microsoft.com/office/drawing/2010/main" w="9525">
+                  <a14:hiddenLine xmlns:a14="http://schemas.microsoft.com/office/drawing/2010/main" xmlns="" w="9525">
                     <a:solidFill>
                       <a:srgbClr val="000000"/>
                     </a:solidFill>
@@ -11879,7 +11879,7 @@
               </a:ln>
               <a:extLst>
                 <a:ext uri="{91240B29-F687-4f45-9708-019B960494DF}">
-                  <a14:hiddenLine xmlns="" xmlns:a14="http://schemas.microsoft.com/office/drawing/2010/main" w="9525">
+                  <a14:hiddenLine xmlns:a14="http://schemas.microsoft.com/office/drawing/2010/main" xmlns="" w="9525">
                     <a:solidFill>
                       <a:srgbClr val="000000"/>
                     </a:solidFill>
@@ -11947,7 +11947,7 @@
               </a:ln>
               <a:extLst>
                 <a:ext uri="{91240B29-F687-4f45-9708-019B960494DF}">
-                  <a14:hiddenLine xmlns="" xmlns:a14="http://schemas.microsoft.com/office/drawing/2010/main" w="9525">
+                  <a14:hiddenLine xmlns:a14="http://schemas.microsoft.com/office/drawing/2010/main" xmlns="" w="9525">
                     <a:solidFill>
                       <a:srgbClr val="000000"/>
                     </a:solidFill>
@@ -12037,7 +12037,7 @@
               </a:ln>
               <a:extLst>
                 <a:ext uri="{91240B29-F687-4f45-9708-019B960494DF}">
-                  <a14:hiddenLine xmlns="" xmlns:a14="http://schemas.microsoft.com/office/drawing/2010/main" w="9525">
+                  <a14:hiddenLine xmlns:a14="http://schemas.microsoft.com/office/drawing/2010/main" xmlns="" w="9525">
                     <a:solidFill>
                       <a:srgbClr val="000000"/>
                     </a:solidFill>
@@ -12105,7 +12105,7 @@
               </a:ln>
               <a:extLst>
                 <a:ext uri="{91240B29-F687-4f45-9708-019B960494DF}">
-                  <a14:hiddenLine xmlns="" xmlns:a14="http://schemas.microsoft.com/office/drawing/2010/main" w="9525">
+                  <a14:hiddenLine xmlns:a14="http://schemas.microsoft.com/office/drawing/2010/main" xmlns="" w="9525">
                     <a:solidFill>
                       <a:srgbClr val="000000"/>
                     </a:solidFill>
@@ -12195,7 +12195,7 @@
               </a:ln>
               <a:extLst>
                 <a:ext uri="{91240B29-F687-4f45-9708-019B960494DF}">
-                  <a14:hiddenLine xmlns="" xmlns:a14="http://schemas.microsoft.com/office/drawing/2010/main" w="9525">
+                  <a14:hiddenLine xmlns:a14="http://schemas.microsoft.com/office/drawing/2010/main" xmlns="" w="9525">
                     <a:solidFill>
                       <a:srgbClr val="000000"/>
                     </a:solidFill>
@@ -12229,7 +12229,7 @@
               </a:ln>
               <a:extLst>
                 <a:ext uri="{91240B29-F687-4f45-9708-019B960494DF}">
-                  <a14:hiddenLine xmlns="" xmlns:a14="http://schemas.microsoft.com/office/drawing/2010/main" w="9525">
+                  <a14:hiddenLine xmlns:a14="http://schemas.microsoft.com/office/drawing/2010/main" xmlns="" w="9525">
                     <a:solidFill>
                       <a:srgbClr val="000000"/>
                     </a:solidFill>
@@ -13104,11 +13104,7 @@
             </a:r>
             <a:r>
               <a:rPr lang="de-DE" dirty="0" smtClean="0"/>
-              <a:t>is the Implemention </a:t>
-            </a:r>
-            <a:r>
-              <a:rPr lang="de-DE" dirty="0" smtClean="0"/>
-              <a:t>of the following cryptography algorithms for (AES</a:t>
+              <a:t>is the Implemention of the following cryptography algorithms for (AES</a:t>
             </a:r>
             <a:r>
               <a:rPr lang="de-DE" dirty="0"/>
@@ -13124,11 +13120,7 @@
             </a:r>
             <a:r>
               <a:rPr lang="de-DE" dirty="0" smtClean="0"/>
-              <a:t>and </a:t>
-            </a:r>
-            <a:r>
-              <a:rPr lang="de-DE" dirty="0" smtClean="0"/>
-              <a:t>ECC) with three different approaches:</a:t>
+              <a:t>and ECC) with three different approaches:</a:t>
             </a:r>
           </a:p>
           <a:p>
@@ -13158,11 +13150,7 @@
             <a:pPr lvl="2"/>
             <a:r>
               <a:rPr lang="en-US" dirty="0" smtClean="0"/>
-              <a:t>A pure HW design for the algorithms and optimized for </a:t>
-            </a:r>
-            <a:r>
-              <a:rPr lang="en-US" dirty="0" smtClean="0"/>
-              <a:t>FPGA.</a:t>
+              <a:t>A pure HW design for the algorithms and optimized for FPGA.</a:t>
             </a:r>
           </a:p>
           <a:p>
@@ -13187,11 +13175,7 @@
             <a:pPr lvl="2"/>
             <a:r>
               <a:rPr lang="en-US" dirty="0" smtClean="0"/>
-              <a:t>Then </a:t>
-            </a:r>
-            <a:r>
-              <a:rPr lang="en-US" dirty="0" smtClean="0"/>
-              <a:t>handling the implementation of the </a:t>
+              <a:t>Then handling the implementation of the </a:t>
             </a:r>
             <a:r>
               <a:rPr lang="en-US" dirty="0" err="1" smtClean="0"/>
@@ -13341,15 +13325,7 @@
             </a:pPr>
             <a:r>
               <a:rPr lang="de-DE" dirty="0" smtClean="0"/>
-              <a:t>Getting the Know how of </a:t>
-            </a:r>
-            <a:r>
-              <a:rPr lang="de-DE" dirty="0" smtClean="0"/>
-              <a:t>common </a:t>
-            </a:r>
-            <a:r>
-              <a:rPr lang="de-DE" dirty="0" smtClean="0"/>
-              <a:t>cryptography algorithms </a:t>
+              <a:t>Getting the Know how of common cryptography algorithms </a:t>
             </a:r>
             <a:r>
               <a:rPr lang="de-DE" dirty="0"/>
@@ -13384,17 +13360,8 @@
             </a:r>
             <a:r>
               <a:rPr lang="de-DE" dirty="0" smtClean="0"/>
-              <a:t>the </a:t>
-            </a:r>
-            <a:r>
-              <a:rPr lang="de-DE" dirty="0" smtClean="0"/>
-              <a:t>Algorithms on SW Level [C</a:t>
-            </a:r>
-            <a:r>
-              <a:rPr lang="de-DE" dirty="0" smtClean="0"/>
-              <a:t>] and evaluating their performance.</a:t>
-            </a:r>
-            <a:endParaRPr lang="de-DE" dirty="0" smtClean="0"/>
+              <a:t>the Algorithms on SW Level [C] and evaluating their performance.</a:t>
+            </a:r>
           </a:p>
           <a:p>
             <a:pPr marL="914400" lvl="1" indent="-457200">
@@ -13403,11 +13370,7 @@
             </a:pPr>
             <a:r>
               <a:rPr lang="de-DE" dirty="0" smtClean="0"/>
-              <a:t>Then </a:t>
-            </a:r>
-            <a:r>
-              <a:rPr lang="de-DE" dirty="0" smtClean="0"/>
-              <a:t>the HW-SW Co design using SDSoC</a:t>
+              <a:t>Then the HW-SW Co design using SDSoC</a:t>
             </a:r>
           </a:p>
           <a:p>
@@ -13594,17 +13557,114 @@
         <p:spPr>
           <a:xfrm>
             <a:off x="1141413" y="2280862"/>
-            <a:ext cx="9905998" cy="1160981"/>
+            <a:ext cx="9905998" cy="1962365"/>
           </a:xfrm>
         </p:spPr>
         <p:txBody>
           <a:bodyPr>
-            <a:normAutofit/>
+            <a:normAutofit fontScale="92500" lnSpcReduction="10000"/>
           </a:bodyPr>
           <a:lstStyle/>
           <a:p>
-            <a:pPr marL="0" indent="0">
-              <a:buNone/>
+            <a:pPr marL="457200" indent="-457200">
+              <a:buAutoNum type="arabicPeriod"/>
+            </a:pPr>
+            <a:r>
+              <a:rPr lang="en-US" b="1" dirty="0" smtClean="0">
+                <a:hlinkClick r:id="rId2"/>
+              </a:rPr>
+              <a:t>Enabling </a:t>
+            </a:r>
+            <a:r>
+              <a:rPr lang="en-US" b="1" dirty="0">
+                <a:hlinkClick r:id="rId2"/>
+              </a:rPr>
+              <a:t>Dynamic and Partial Reconfiguration in Xilinx </a:t>
+            </a:r>
+            <a:r>
+              <a:rPr lang="en-US" b="1" dirty="0" err="1">
+                <a:hlinkClick r:id="rId2"/>
+              </a:rPr>
+              <a:t>SDSoC</a:t>
+            </a:r>
+            <a:r>
+              <a:rPr lang="en-US" b="1" dirty="0">
+                <a:hlinkClick r:id="rId2"/>
+              </a:rPr>
+              <a:t> </a:t>
+            </a:r>
+            <a:r>
+              <a:rPr lang="en-US" b="1" dirty="0" smtClean="0">
+                <a:hlinkClick r:id="rId2"/>
+              </a:rPr>
+              <a:t>2016.pdf</a:t>
+            </a:r>
+            <a:endParaRPr lang="en-US" b="1" dirty="0" smtClean="0"/>
+          </a:p>
+          <a:p>
+            <a:pPr marL="457200" indent="-457200">
+              <a:buAutoNum type="arabicPeriod"/>
+            </a:pPr>
+            <a:r>
+              <a:rPr lang="de-DE" dirty="0" smtClean="0">
+                <a:hlinkClick r:id="rId3"/>
+              </a:rPr>
+              <a:t>Xcell_software2</a:t>
+            </a:r>
+            <a:endParaRPr lang="de-DE" dirty="0" smtClean="0"/>
+          </a:p>
+          <a:p>
+            <a:pPr marL="457200" indent="-457200">
+              <a:buAutoNum type="arabicPeriod"/>
+            </a:pPr>
+            <a:r>
+              <a:rPr lang="en-US" b="1" dirty="0">
+                <a:hlinkClick r:id="rId4"/>
+              </a:rPr>
+              <a:t>Analysis of Lightweight Cryptographic Solutions for IOT 2016</a:t>
+            </a:r>
+            <a:r>
+              <a:rPr lang="en-US" b="1" dirty="0" smtClean="0">
+                <a:hlinkClick r:id="rId4"/>
+              </a:rPr>
+              <a:t>.</a:t>
+            </a:r>
+            <a:endParaRPr lang="en-US" b="1" dirty="0" smtClean="0"/>
+          </a:p>
+          <a:p>
+            <a:pPr marL="457200" indent="-457200">
+              <a:buFont typeface="Arial" panose="020B0604020202020204" pitchFamily="34" charset="0"/>
+              <a:buAutoNum type="arabicPeriod"/>
+            </a:pPr>
+            <a:r>
+              <a:rPr lang="en-US" b="1" dirty="0">
+                <a:hlinkClick r:id="rId5"/>
+              </a:rPr>
+              <a:t>HWSW Co-Design of the HOG Algorithm on Xilinx </a:t>
+            </a:r>
+            <a:r>
+              <a:rPr lang="en-US" b="1" dirty="0" err="1">
+                <a:hlinkClick r:id="rId5"/>
+              </a:rPr>
+              <a:t>Yznq</a:t>
+            </a:r>
+            <a:r>
+              <a:rPr lang="en-US" b="1" dirty="0">
+                <a:hlinkClick r:id="rId5"/>
+              </a:rPr>
+              <a:t> SOC.2017.pdf</a:t>
+            </a:r>
+            <a:r>
+              <a:rPr lang="en-US" dirty="0">
+                <a:hlinkClick r:id="rId5"/>
+              </a:rPr>
+              <a:t> </a:t>
+            </a:r>
+            <a:endParaRPr lang="en-US" dirty="0"/>
+          </a:p>
+          <a:p>
+            <a:pPr marL="457200" indent="-457200">
+              <a:buAutoNum type="arabicPeriod"/>
             </a:pPr>
             <a:endParaRPr lang="en-US" dirty="0"/>
           </a:p>
